--- a/component diagram draft.pptx
+++ b/component diagram draft.pptx
@@ -104,6 +104,11 @@
       </a:defRPr>
     </a:lvl9pPr>
   </p:defaultTextStyle>
+  <p:extLst>
+    <p:ext uri="{EFAFB233-063F-42B5-8137-9DF3F51BA10A}">
+      <p15:sldGuideLst xmlns:p15="http://schemas.microsoft.com/office/powerpoint/2012/main"/>
+    </p:ext>
+  </p:extLst>
 </p:presentation>
 </file>
 
@@ -260,7 +265,7 @@
           <a:p>
             <a:fld id="{5CB0CF84-1489-43C2-ADBB-0C9C29AD72FC}" type="datetimeFigureOut">
               <a:rPr lang="en-AU" smtClean="0"/>
-              <a:t>12/09/2017</a:t>
+              <a:t>6/10/2017</a:t>
             </a:fld>
             <a:endParaRPr lang="en-AU"/>
           </a:p>
@@ -460,7 +465,7 @@
           <a:p>
             <a:fld id="{5CB0CF84-1489-43C2-ADBB-0C9C29AD72FC}" type="datetimeFigureOut">
               <a:rPr lang="en-AU" smtClean="0"/>
-              <a:t>12/09/2017</a:t>
+              <a:t>6/10/2017</a:t>
             </a:fld>
             <a:endParaRPr lang="en-AU"/>
           </a:p>
@@ -670,7 +675,7 @@
           <a:p>
             <a:fld id="{5CB0CF84-1489-43C2-ADBB-0C9C29AD72FC}" type="datetimeFigureOut">
               <a:rPr lang="en-AU" smtClean="0"/>
-              <a:t>12/09/2017</a:t>
+              <a:t>6/10/2017</a:t>
             </a:fld>
             <a:endParaRPr lang="en-AU"/>
           </a:p>
@@ -870,7 +875,7 @@
           <a:p>
             <a:fld id="{5CB0CF84-1489-43C2-ADBB-0C9C29AD72FC}" type="datetimeFigureOut">
               <a:rPr lang="en-AU" smtClean="0"/>
-              <a:t>12/09/2017</a:t>
+              <a:t>6/10/2017</a:t>
             </a:fld>
             <a:endParaRPr lang="en-AU"/>
           </a:p>
@@ -1146,7 +1151,7 @@
           <a:p>
             <a:fld id="{5CB0CF84-1489-43C2-ADBB-0C9C29AD72FC}" type="datetimeFigureOut">
               <a:rPr lang="en-AU" smtClean="0"/>
-              <a:t>12/09/2017</a:t>
+              <a:t>6/10/2017</a:t>
             </a:fld>
             <a:endParaRPr lang="en-AU"/>
           </a:p>
@@ -1414,7 +1419,7 @@
           <a:p>
             <a:fld id="{5CB0CF84-1489-43C2-ADBB-0C9C29AD72FC}" type="datetimeFigureOut">
               <a:rPr lang="en-AU" smtClean="0"/>
-              <a:t>12/09/2017</a:t>
+              <a:t>6/10/2017</a:t>
             </a:fld>
             <a:endParaRPr lang="en-AU"/>
           </a:p>
@@ -1829,7 +1834,7 @@
           <a:p>
             <a:fld id="{5CB0CF84-1489-43C2-ADBB-0C9C29AD72FC}" type="datetimeFigureOut">
               <a:rPr lang="en-AU" smtClean="0"/>
-              <a:t>12/09/2017</a:t>
+              <a:t>6/10/2017</a:t>
             </a:fld>
             <a:endParaRPr lang="en-AU"/>
           </a:p>
@@ -1971,7 +1976,7 @@
           <a:p>
             <a:fld id="{5CB0CF84-1489-43C2-ADBB-0C9C29AD72FC}" type="datetimeFigureOut">
               <a:rPr lang="en-AU" smtClean="0"/>
-              <a:t>12/09/2017</a:t>
+              <a:t>6/10/2017</a:t>
             </a:fld>
             <a:endParaRPr lang="en-AU"/>
           </a:p>
@@ -2084,7 +2089,7 @@
           <a:p>
             <a:fld id="{5CB0CF84-1489-43C2-ADBB-0C9C29AD72FC}" type="datetimeFigureOut">
               <a:rPr lang="en-AU" smtClean="0"/>
-              <a:t>12/09/2017</a:t>
+              <a:t>6/10/2017</a:t>
             </a:fld>
             <a:endParaRPr lang="en-AU"/>
           </a:p>
@@ -2397,7 +2402,7 @@
           <a:p>
             <a:fld id="{5CB0CF84-1489-43C2-ADBB-0C9C29AD72FC}" type="datetimeFigureOut">
               <a:rPr lang="en-AU" smtClean="0"/>
-              <a:t>12/09/2017</a:t>
+              <a:t>6/10/2017</a:t>
             </a:fld>
             <a:endParaRPr lang="en-AU"/>
           </a:p>
@@ -2686,7 +2691,7 @@
           <a:p>
             <a:fld id="{5CB0CF84-1489-43C2-ADBB-0C9C29AD72FC}" type="datetimeFigureOut">
               <a:rPr lang="en-AU" smtClean="0"/>
-              <a:t>12/09/2017</a:t>
+              <a:t>6/10/2017</a:t>
             </a:fld>
             <a:endParaRPr lang="en-AU"/>
           </a:p>
@@ -2929,7 +2934,7 @@
           <a:p>
             <a:fld id="{5CB0CF84-1489-43C2-ADBB-0C9C29AD72FC}" type="datetimeFigureOut">
               <a:rPr lang="en-AU" smtClean="0"/>
-              <a:t>12/09/2017</a:t>
+              <a:t>6/10/2017</a:t>
             </a:fld>
             <a:endParaRPr lang="en-AU"/>
           </a:p>
@@ -3360,7 +3365,7 @@
         </p:nvGrpSpPr>
         <p:grpSpPr>
           <a:xfrm>
-            <a:off x="983133" y="4928037"/>
+            <a:off x="1073690" y="4776076"/>
             <a:ext cx="2271567" cy="599276"/>
             <a:chOff x="852407" y="1100380"/>
             <a:chExt cx="2293749" cy="790413"/>
@@ -3596,7 +3601,7 @@
         </p:nvGrpSpPr>
         <p:grpSpPr>
           <a:xfrm>
-            <a:off x="3826910" y="6005525"/>
+            <a:off x="1073690" y="6158538"/>
             <a:ext cx="2271567" cy="599276"/>
             <a:chOff x="852407" y="1100380"/>
             <a:chExt cx="2293749" cy="790413"/>
@@ -3714,7 +3719,7 @@
         </p:nvGrpSpPr>
         <p:grpSpPr>
           <a:xfrm>
-            <a:off x="6368840" y="5914407"/>
+            <a:off x="1081466" y="5487379"/>
             <a:ext cx="2271567" cy="599276"/>
             <a:chOff x="852407" y="1100380"/>
             <a:chExt cx="2293749" cy="790413"/>
@@ -5082,20 +5087,18 @@
           </p:cNvPr>
           <p:cNvCxnSpPr>
             <a:cxnSpLocks/>
-            <a:stCxn id="18" idx="1"/>
-            <a:endCxn id="21" idx="1"/>
+            <a:stCxn id="21" idx="2"/>
+            <a:endCxn id="81" idx="3"/>
           </p:cNvCxnSpPr>
           <p:nvPr/>
         </p:nvCxnSpPr>
         <p:spPr>
-          <a:xfrm rot="10800000" flipV="1">
-            <a:off x="5048643" y="4043740"/>
-            <a:ext cx="12700" cy="895018"/>
+          <a:xfrm rot="5400000">
+            <a:off x="5481549" y="5771770"/>
+            <a:ext cx="1236253" cy="169504"/>
           </a:xfrm>
-          <a:prstGeom prst="bentConnector3">
-            <a:avLst>
-              <a:gd name="adj1" fmla="val 3057142"/>
-            </a:avLst>
+          <a:prstGeom prst="bentConnector2">
+            <a:avLst/>
           </a:prstGeom>
           <a:ln>
             <a:solidFill>
@@ -5131,17 +5134,19 @@
           </p:cNvPr>
           <p:cNvCxnSpPr>
             <a:cxnSpLocks/>
+            <a:stCxn id="4" idx="1"/>
+            <a:endCxn id="12" idx="1"/>
           </p:cNvCxnSpPr>
           <p:nvPr/>
         </p:nvCxnSpPr>
         <p:spPr>
-          <a:xfrm>
-            <a:off x="3309773" y="5178530"/>
-            <a:ext cx="1392856" cy="859413"/>
+          <a:xfrm rot="10800000" flipV="1">
+            <a:off x="1073690" y="5075714"/>
+            <a:ext cx="12700" cy="1382462"/>
           </a:xfrm>
           <a:prstGeom prst="bentConnector3">
             <a:avLst>
-              <a:gd name="adj1" fmla="val 100019"/>
+              <a:gd name="adj1" fmla="val 1800000"/>
             </a:avLst>
           </a:prstGeom>
           <a:ln>
@@ -5179,18 +5184,19 @@
           </p:cNvPr>
           <p:cNvCxnSpPr>
             <a:cxnSpLocks/>
+            <a:stCxn id="5" idx="3"/>
+            <a:endCxn id="16" idx="3"/>
           </p:cNvCxnSpPr>
           <p:nvPr/>
         </p:nvCxnSpPr>
         <p:spPr>
           <a:xfrm>
-            <a:off x="2002971" y="5573488"/>
-            <a:ext cx="5501653" cy="929715"/>
+            <a:off x="3345257" y="5139659"/>
+            <a:ext cx="7776" cy="711303"/>
           </a:xfrm>
-          <a:prstGeom prst="bentConnector4">
+          <a:prstGeom prst="bentConnector3">
             <a:avLst>
-              <a:gd name="adj1" fmla="val -158"/>
-              <a:gd name="adj2" fmla="val 124588"/>
+              <a:gd name="adj1" fmla="val 3039815"/>
             </a:avLst>
           </a:prstGeom>
           <a:ln>
@@ -5374,14 +5380,13 @@
           <p:cNvCxnSpPr>
             <a:cxnSpLocks/>
             <a:stCxn id="27" idx="2"/>
-            <a:endCxn id="4" idx="0"/>
           </p:cNvCxnSpPr>
           <p:nvPr/>
         </p:nvCxnSpPr>
         <p:spPr>
           <a:xfrm rot="16200000" flipH="1">
-            <a:off x="794864" y="3603983"/>
-            <a:ext cx="2559855" cy="88252"/>
+            <a:off x="932898" y="3465949"/>
+            <a:ext cx="2398827" cy="203292"/>
           </a:xfrm>
           <a:prstGeom prst="bentConnector3">
             <a:avLst>
@@ -5430,13 +5435,13 @@
         </p:nvCxnSpPr>
         <p:spPr>
           <a:xfrm rot="16200000" flipH="1" flipV="1">
-            <a:off x="401343" y="1124753"/>
-            <a:ext cx="4684711" cy="3521132"/>
+            <a:off x="522603" y="1094051"/>
+            <a:ext cx="4532750" cy="3430575"/>
           </a:xfrm>
           <a:prstGeom prst="bentConnector4">
             <a:avLst>
-              <a:gd name="adj1" fmla="val -4880"/>
-              <a:gd name="adj2" fmla="val 106492"/>
+              <a:gd name="adj1" fmla="val -5043"/>
+              <a:gd name="adj2" fmla="val 106664"/>
             </a:avLst>
           </a:prstGeom>
           <a:ln>
@@ -6355,6 +6360,775 @@
           <a:xfrm>
             <a:off x="3054435" y="3664148"/>
             <a:ext cx="2092224" cy="646331"/>
+          </a:xfrm>
+          <a:prstGeom prst="rect">
+            <a:avLst/>
+          </a:prstGeom>
+          <a:noFill/>
+        </p:spPr>
+        <p:txBody>
+          <a:bodyPr wrap="square" rtlCol="0">
+            <a:spAutoFit/>
+          </a:bodyPr>
+          <a:lstStyle/>
+          <a:p>
+            <a:r>
+              <a:rPr lang="en-AU" dirty="0"/>
+              <a:t>Search item database</a:t>
+            </a:r>
+          </a:p>
+        </p:txBody>
+      </p:sp>
+      <p:cxnSp>
+        <p:nvCxnSpPr>
+          <p:cNvPr id="76" name="Connector: Elbow 75">
+            <a:extLst>
+              <a:ext uri="{FF2B5EF4-FFF2-40B4-BE49-F238E27FC236}">
+                <a16:creationId xmlns:a16="http://schemas.microsoft.com/office/drawing/2014/main" id="{629643C7-7C54-46E4-A932-C4FFFD8345AD}"/>
+              </a:ext>
+            </a:extLst>
+          </p:cNvPr>
+          <p:cNvCxnSpPr>
+            <a:cxnSpLocks/>
+            <a:stCxn id="118" idx="1"/>
+          </p:cNvCxnSpPr>
+          <p:nvPr/>
+        </p:nvCxnSpPr>
+        <p:spPr>
+          <a:xfrm rot="10800000" flipV="1">
+            <a:off x="3166448" y="1877905"/>
+            <a:ext cx="1486206" cy="63944"/>
+          </a:xfrm>
+          <a:prstGeom prst="bentConnector3">
+            <a:avLst>
+              <a:gd name="adj1" fmla="val 50000"/>
+            </a:avLst>
+          </a:prstGeom>
+          <a:ln>
+            <a:solidFill>
+              <a:schemeClr val="tx1"/>
+            </a:solidFill>
+            <a:prstDash val="dash"/>
+            <a:tailEnd type="triangle"/>
+          </a:ln>
+        </p:spPr>
+        <p:style>
+          <a:lnRef idx="1">
+            <a:schemeClr val="accent1"/>
+          </a:lnRef>
+          <a:fillRef idx="0">
+            <a:schemeClr val="accent1"/>
+          </a:fillRef>
+          <a:effectRef idx="0">
+            <a:schemeClr val="accent1"/>
+          </a:effectRef>
+          <a:fontRef idx="minor">
+            <a:schemeClr val="tx1"/>
+          </a:fontRef>
+        </p:style>
+      </p:cxnSp>
+      <p:cxnSp>
+        <p:nvCxnSpPr>
+          <p:cNvPr id="79" name="Connector: Elbow 78">
+            <a:extLst>
+              <a:ext uri="{FF2B5EF4-FFF2-40B4-BE49-F238E27FC236}">
+                <a16:creationId xmlns:a16="http://schemas.microsoft.com/office/drawing/2014/main" id="{D3E586DF-1416-4652-B7E1-BA91803192CC}"/>
+              </a:ext>
+            </a:extLst>
+          </p:cNvPr>
+          <p:cNvCxnSpPr>
+            <a:cxnSpLocks/>
+          </p:cNvCxnSpPr>
+          <p:nvPr/>
+        </p:nvCxnSpPr>
+        <p:spPr>
+          <a:xfrm>
+            <a:off x="6921967" y="1793432"/>
+            <a:ext cx="2089073" cy="115722"/>
+          </a:xfrm>
+          <a:prstGeom prst="bentConnector3">
+            <a:avLst>
+              <a:gd name="adj1" fmla="val 50000"/>
+            </a:avLst>
+          </a:prstGeom>
+          <a:ln>
+            <a:solidFill>
+              <a:schemeClr val="tx1"/>
+            </a:solidFill>
+            <a:prstDash val="dash"/>
+            <a:tailEnd type="triangle"/>
+          </a:ln>
+        </p:spPr>
+        <p:style>
+          <a:lnRef idx="1">
+            <a:schemeClr val="accent1"/>
+          </a:lnRef>
+          <a:fillRef idx="0">
+            <a:schemeClr val="accent1"/>
+          </a:fillRef>
+          <a:effectRef idx="0">
+            <a:schemeClr val="accent1"/>
+          </a:effectRef>
+          <a:fontRef idx="minor">
+            <a:schemeClr val="tx1"/>
+          </a:fontRef>
+        </p:style>
+      </p:cxnSp>
+      <p:grpSp>
+        <p:nvGrpSpPr>
+          <p:cNvPr id="78" name="Group 77">
+            <a:extLst>
+              <a:ext uri="{FF2B5EF4-FFF2-40B4-BE49-F238E27FC236}">
+                <a16:creationId xmlns:a16="http://schemas.microsoft.com/office/drawing/2014/main" id="{99EC61E3-5C6A-441C-99A4-793245C1D180}"/>
+              </a:ext>
+            </a:extLst>
+          </p:cNvPr>
+          <p:cNvGrpSpPr/>
+          <p:nvPr/>
+        </p:nvGrpSpPr>
+        <p:grpSpPr>
+          <a:xfrm>
+            <a:off x="3744463" y="6154566"/>
+            <a:ext cx="2271567" cy="599276"/>
+            <a:chOff x="842401" y="1157755"/>
+            <a:chExt cx="2293749" cy="790413"/>
+          </a:xfrm>
+        </p:grpSpPr>
+        <p:sp>
+          <p:nvSpPr>
+            <p:cNvPr id="80" name="Rectangle 79">
+              <a:extLst>
+                <a:ext uri="{FF2B5EF4-FFF2-40B4-BE49-F238E27FC236}">
+                  <a16:creationId xmlns:a16="http://schemas.microsoft.com/office/drawing/2014/main" id="{EAADEA67-7E27-4149-90B0-1C205D58883A}"/>
+                </a:ext>
+              </a:extLst>
+            </p:cNvPr>
+            <p:cNvSpPr/>
+            <p:nvPr/>
+          </p:nvSpPr>
+          <p:spPr>
+            <a:xfrm>
+              <a:off x="842401" y="1157755"/>
+              <a:ext cx="2293749" cy="790413"/>
+            </a:xfrm>
+            <a:prstGeom prst="rect">
+              <a:avLst/>
+            </a:prstGeom>
+            <a:solidFill>
+              <a:schemeClr val="bg1"/>
+            </a:solidFill>
+          </p:spPr>
+          <p:style>
+            <a:lnRef idx="2">
+              <a:schemeClr val="accent1">
+                <a:shade val="50000"/>
+              </a:schemeClr>
+            </a:lnRef>
+            <a:fillRef idx="1">
+              <a:schemeClr val="accent1"/>
+            </a:fillRef>
+            <a:effectRef idx="0">
+              <a:schemeClr val="accent1"/>
+            </a:effectRef>
+            <a:fontRef idx="minor">
+              <a:schemeClr val="lt1"/>
+            </a:fontRef>
+          </p:style>
+          <p:txBody>
+            <a:bodyPr rtlCol="0" anchor="ctr"/>
+            <a:lstStyle/>
+            <a:p>
+              <a:pPr algn="ctr"/>
+              <a:r>
+                <a:rPr lang="en-AU" dirty="0">
+                  <a:solidFill>
+                    <a:schemeClr val="tx1"/>
+                  </a:solidFill>
+                </a:rPr>
+                <a:t>&lt;&lt;Component&gt;&gt;</a:t>
+              </a:r>
+            </a:p>
+            <a:p>
+              <a:pPr algn="ctr"/>
+              <a:r>
+                <a:rPr lang="en-AU" dirty="0">
+                  <a:solidFill>
+                    <a:schemeClr val="tx1"/>
+                  </a:solidFill>
+                </a:rPr>
+                <a:t>Favourites Page</a:t>
+              </a:r>
+            </a:p>
+          </p:txBody>
+        </p:sp>
+        <p:pic>
+          <p:nvPicPr>
+            <p:cNvPr id="81" name="Picture 80">
+              <a:extLst>
+                <a:ext uri="{FF2B5EF4-FFF2-40B4-BE49-F238E27FC236}">
+                  <a16:creationId xmlns:a16="http://schemas.microsoft.com/office/drawing/2014/main" id="{EB2B45C1-85F1-4509-A7BE-0B349F94D1C8}"/>
+                </a:ext>
+              </a:extLst>
+            </p:cNvPr>
+            <p:cNvPicPr>
+              <a:picLocks noChangeAspect="1"/>
+            </p:cNvPicPr>
+            <p:nvPr/>
+          </p:nvPicPr>
+          <p:blipFill>
+            <a:blip r:embed="rId2"/>
+            <a:stretch>
+              <a:fillRect/>
+            </a:stretch>
+          </p:blipFill>
+          <p:spPr>
+            <a:xfrm>
+              <a:off x="2727019" y="1269060"/>
+              <a:ext cx="408013" cy="621734"/>
+            </a:xfrm>
+            <a:prstGeom prst="rect">
+              <a:avLst/>
+            </a:prstGeom>
+          </p:spPr>
+        </p:pic>
+      </p:grpSp>
+      <p:cxnSp>
+        <p:nvCxnSpPr>
+          <p:cNvPr id="82" name="Connector: Elbow 81">
+            <a:extLst>
+              <a:ext uri="{FF2B5EF4-FFF2-40B4-BE49-F238E27FC236}">
+                <a16:creationId xmlns:a16="http://schemas.microsoft.com/office/drawing/2014/main" id="{92943F07-3D46-4698-AC77-FBDCAD1B2E84}"/>
+              </a:ext>
+            </a:extLst>
+          </p:cNvPr>
+          <p:cNvCxnSpPr>
+            <a:cxnSpLocks/>
+          </p:cNvCxnSpPr>
+          <p:nvPr/>
+        </p:nvCxnSpPr>
+        <p:spPr>
+          <a:xfrm rot="10800000" flipV="1">
+            <a:off x="5201043" y="4196140"/>
+            <a:ext cx="12700" cy="895018"/>
+          </a:xfrm>
+          <a:prstGeom prst="bentConnector3">
+            <a:avLst>
+              <a:gd name="adj1" fmla="val 3057142"/>
+            </a:avLst>
+          </a:prstGeom>
+          <a:ln>
+            <a:solidFill>
+              <a:schemeClr val="tx1"/>
+            </a:solidFill>
+            <a:prstDash val="dash"/>
+            <a:tailEnd type="triangle"/>
+          </a:ln>
+        </p:spPr>
+        <p:style>
+          <a:lnRef idx="1">
+            <a:schemeClr val="accent1"/>
+          </a:lnRef>
+          <a:fillRef idx="0">
+            <a:schemeClr val="accent1"/>
+          </a:fillRef>
+          <a:effectRef idx="0">
+            <a:schemeClr val="accent1"/>
+          </a:effectRef>
+          <a:fontRef idx="minor">
+            <a:schemeClr val="tx1"/>
+          </a:fontRef>
+        </p:style>
+      </p:cxnSp>
+      <p:cxnSp>
+        <p:nvCxnSpPr>
+          <p:cNvPr id="96" name="Connector: Elbow 95">
+            <a:extLst>
+              <a:ext uri="{FF2B5EF4-FFF2-40B4-BE49-F238E27FC236}">
+                <a16:creationId xmlns:a16="http://schemas.microsoft.com/office/drawing/2014/main" id="{D2E370A8-DC23-4ADC-85AE-BB5620D083A2}"/>
+              </a:ext>
+            </a:extLst>
+          </p:cNvPr>
+          <p:cNvCxnSpPr>
+            <a:cxnSpLocks/>
+            <a:stCxn id="22" idx="3"/>
+          </p:cNvCxnSpPr>
+          <p:nvPr/>
+        </p:nvCxnSpPr>
+        <p:spPr>
+          <a:xfrm>
+            <a:off x="7320210" y="5002703"/>
+            <a:ext cx="989939" cy="1155835"/>
+          </a:xfrm>
+          <a:prstGeom prst="bentConnector2">
+            <a:avLst/>
+          </a:prstGeom>
+          <a:ln>
+            <a:solidFill>
+              <a:schemeClr val="tx1"/>
+            </a:solidFill>
+            <a:prstDash val="dash"/>
+            <a:tailEnd type="triangle"/>
+          </a:ln>
+        </p:spPr>
+        <p:style>
+          <a:lnRef idx="1">
+            <a:schemeClr val="accent1"/>
+          </a:lnRef>
+          <a:fillRef idx="0">
+            <a:schemeClr val="accent1"/>
+          </a:fillRef>
+          <a:effectRef idx="0">
+            <a:schemeClr val="accent1"/>
+          </a:effectRef>
+          <a:fontRef idx="minor">
+            <a:schemeClr val="tx1"/>
+          </a:fontRef>
+        </p:style>
+      </p:cxnSp>
+      <p:grpSp>
+        <p:nvGrpSpPr>
+          <p:cNvPr id="98" name="Group 97">
+            <a:extLst>
+              <a:ext uri="{FF2B5EF4-FFF2-40B4-BE49-F238E27FC236}">
+                <a16:creationId xmlns:a16="http://schemas.microsoft.com/office/drawing/2014/main" id="{BB322BDC-B349-4F27-A5D4-5D99FED19163}"/>
+              </a:ext>
+            </a:extLst>
+          </p:cNvPr>
+          <p:cNvGrpSpPr/>
+          <p:nvPr/>
+        </p:nvGrpSpPr>
+        <p:grpSpPr>
+          <a:xfrm>
+            <a:off x="6316077" y="6158538"/>
+            <a:ext cx="2271567" cy="599276"/>
+            <a:chOff x="852407" y="1100380"/>
+            <a:chExt cx="2293749" cy="790413"/>
+          </a:xfrm>
+        </p:grpSpPr>
+        <p:sp>
+          <p:nvSpPr>
+            <p:cNvPr id="99" name="Rectangle 98">
+              <a:extLst>
+                <a:ext uri="{FF2B5EF4-FFF2-40B4-BE49-F238E27FC236}">
+                  <a16:creationId xmlns:a16="http://schemas.microsoft.com/office/drawing/2014/main" id="{CC16C666-E05E-4FB1-87D1-D9CAF04973CA}"/>
+                </a:ext>
+              </a:extLst>
+            </p:cNvPr>
+            <p:cNvSpPr/>
+            <p:nvPr/>
+          </p:nvSpPr>
+          <p:spPr>
+            <a:xfrm>
+              <a:off x="852407" y="1100380"/>
+              <a:ext cx="2293749" cy="790413"/>
+            </a:xfrm>
+            <a:prstGeom prst="rect">
+              <a:avLst/>
+            </a:prstGeom>
+            <a:solidFill>
+              <a:schemeClr val="bg1"/>
+            </a:solidFill>
+          </p:spPr>
+          <p:style>
+            <a:lnRef idx="2">
+              <a:schemeClr val="accent1">
+                <a:shade val="50000"/>
+              </a:schemeClr>
+            </a:lnRef>
+            <a:fillRef idx="1">
+              <a:schemeClr val="accent1"/>
+            </a:fillRef>
+            <a:effectRef idx="0">
+              <a:schemeClr val="accent1"/>
+            </a:effectRef>
+            <a:fontRef idx="minor">
+              <a:schemeClr val="lt1"/>
+            </a:fontRef>
+          </p:style>
+          <p:txBody>
+            <a:bodyPr rtlCol="0" anchor="ctr"/>
+            <a:lstStyle/>
+            <a:p>
+              <a:pPr algn="ctr"/>
+              <a:r>
+                <a:rPr lang="en-AU" dirty="0">
+                  <a:solidFill>
+                    <a:schemeClr val="tx1"/>
+                  </a:solidFill>
+                </a:rPr>
+                <a:t>&lt;&lt;Component&gt;&gt;</a:t>
+              </a:r>
+            </a:p>
+            <a:p>
+              <a:pPr algn="ctr"/>
+              <a:r>
+                <a:rPr lang="en-AU" dirty="0">
+                  <a:solidFill>
+                    <a:schemeClr val="tx1"/>
+                  </a:solidFill>
+                </a:rPr>
+                <a:t>Reviews Page</a:t>
+              </a:r>
+            </a:p>
+          </p:txBody>
+        </p:sp>
+        <p:pic>
+          <p:nvPicPr>
+            <p:cNvPr id="101" name="Picture 100">
+              <a:extLst>
+                <a:ext uri="{FF2B5EF4-FFF2-40B4-BE49-F238E27FC236}">
+                  <a16:creationId xmlns:a16="http://schemas.microsoft.com/office/drawing/2014/main" id="{29D44340-2BE4-47DC-87D9-0D0407992F8F}"/>
+                </a:ext>
+              </a:extLst>
+            </p:cNvPr>
+            <p:cNvPicPr>
+              <a:picLocks noChangeAspect="1"/>
+            </p:cNvPicPr>
+            <p:nvPr/>
+          </p:nvPicPr>
+          <p:blipFill>
+            <a:blip r:embed="rId2"/>
+            <a:stretch>
+              <a:fillRect/>
+            </a:stretch>
+          </p:blipFill>
+          <p:spPr>
+            <a:xfrm>
+              <a:off x="2738143" y="1269059"/>
+              <a:ext cx="408013" cy="621734"/>
+            </a:xfrm>
+            <a:prstGeom prst="rect">
+              <a:avLst/>
+            </a:prstGeom>
+          </p:spPr>
+        </p:pic>
+      </p:grpSp>
+      <p:cxnSp>
+        <p:nvCxnSpPr>
+          <p:cNvPr id="110" name="Connector: Elbow 109">
+            <a:extLst>
+              <a:ext uri="{FF2B5EF4-FFF2-40B4-BE49-F238E27FC236}">
+                <a16:creationId xmlns:a16="http://schemas.microsoft.com/office/drawing/2014/main" id="{EC0BC149-6461-4296-B8C1-7F0251AD0D74}"/>
+              </a:ext>
+            </a:extLst>
+          </p:cNvPr>
+          <p:cNvCxnSpPr>
+            <a:cxnSpLocks/>
+          </p:cNvCxnSpPr>
+          <p:nvPr/>
+        </p:nvCxnSpPr>
+        <p:spPr>
+          <a:xfrm rot="16200000" flipH="1">
+            <a:off x="872330" y="2805075"/>
+            <a:ext cx="3776110" cy="2922871"/>
+          </a:xfrm>
+          <a:prstGeom prst="bentConnector3">
+            <a:avLst>
+              <a:gd name="adj1" fmla="val 50000"/>
+            </a:avLst>
+          </a:prstGeom>
+          <a:ln>
+            <a:solidFill>
+              <a:schemeClr val="tx1"/>
+            </a:solidFill>
+            <a:prstDash val="dash"/>
+            <a:tailEnd type="triangle"/>
+          </a:ln>
+        </p:spPr>
+        <p:style>
+          <a:lnRef idx="1">
+            <a:schemeClr val="accent1"/>
+          </a:lnRef>
+          <a:fillRef idx="0">
+            <a:schemeClr val="accent1"/>
+          </a:fillRef>
+          <a:effectRef idx="0">
+            <a:schemeClr val="accent1"/>
+          </a:effectRef>
+          <a:fontRef idx="minor">
+            <a:schemeClr val="tx1"/>
+          </a:fontRef>
+        </p:style>
+      </p:cxnSp>
+      <p:sp>
+        <p:nvSpPr>
+          <p:cNvPr id="115" name="TextBox 114">
+            <a:extLst>
+              <a:ext uri="{FF2B5EF4-FFF2-40B4-BE49-F238E27FC236}">
+                <a16:creationId xmlns:a16="http://schemas.microsoft.com/office/drawing/2014/main" id="{E8464ECD-665E-4D06-BD74-1E4C3C6CF575}"/>
+              </a:ext>
+            </a:extLst>
+          </p:cNvPr>
+          <p:cNvSpPr txBox="1"/>
+          <p:nvPr/>
+        </p:nvSpPr>
+        <p:spPr>
+          <a:xfrm>
+            <a:off x="4372054" y="5493868"/>
+            <a:ext cx="2092224" cy="646331"/>
+          </a:xfrm>
+          <a:prstGeom prst="rect">
+            <a:avLst/>
+          </a:prstGeom>
+          <a:noFill/>
+        </p:spPr>
+        <p:txBody>
+          <a:bodyPr wrap="square" rtlCol="0">
+            <a:spAutoFit/>
+          </a:bodyPr>
+          <a:lstStyle/>
+          <a:p>
+            <a:r>
+              <a:rPr lang="en-AU" dirty="0"/>
+              <a:t>Search item database</a:t>
+            </a:r>
+          </a:p>
+        </p:txBody>
+      </p:sp>
+      <p:grpSp>
+        <p:nvGrpSpPr>
+          <p:cNvPr id="116" name="Group 115">
+            <a:extLst>
+              <a:ext uri="{FF2B5EF4-FFF2-40B4-BE49-F238E27FC236}">
+                <a16:creationId xmlns:a16="http://schemas.microsoft.com/office/drawing/2014/main" id="{6C30C65F-1897-443E-9919-494FA0581D06}"/>
+              </a:ext>
+            </a:extLst>
+          </p:cNvPr>
+          <p:cNvGrpSpPr/>
+          <p:nvPr/>
+        </p:nvGrpSpPr>
+        <p:grpSpPr>
+          <a:xfrm rot="5400000" flipH="1">
+            <a:off x="5309452" y="5481174"/>
+            <a:ext cx="737184" cy="609600"/>
+            <a:chOff x="4753797" y="1556504"/>
+            <a:chExt cx="1014736" cy="609600"/>
+          </a:xfrm>
+        </p:grpSpPr>
+        <p:cxnSp>
+          <p:nvCxnSpPr>
+            <p:cNvPr id="121" name="Straight Connector 120">
+              <a:extLst>
+                <a:ext uri="{FF2B5EF4-FFF2-40B4-BE49-F238E27FC236}">
+                  <a16:creationId xmlns:a16="http://schemas.microsoft.com/office/drawing/2014/main" id="{86E07AA4-3D05-4D45-AC01-ED8E2DFC705A}"/>
+                </a:ext>
+              </a:extLst>
+            </p:cNvPr>
+            <p:cNvCxnSpPr/>
+            <p:nvPr/>
+          </p:nvCxnSpPr>
+          <p:spPr>
+            <a:xfrm>
+              <a:off x="4753797" y="1909154"/>
+              <a:ext cx="482184" cy="0"/>
+            </a:xfrm>
+            <a:prstGeom prst="line">
+              <a:avLst/>
+            </a:prstGeom>
+            <a:ln>
+              <a:solidFill>
+                <a:schemeClr val="tx1"/>
+              </a:solidFill>
+            </a:ln>
+          </p:spPr>
+          <p:style>
+            <a:lnRef idx="1">
+              <a:schemeClr val="accent1"/>
+            </a:lnRef>
+            <a:fillRef idx="0">
+              <a:schemeClr val="accent1"/>
+            </a:fillRef>
+            <a:effectRef idx="0">
+              <a:schemeClr val="accent1"/>
+            </a:effectRef>
+            <a:fontRef idx="minor">
+              <a:schemeClr val="tx1"/>
+            </a:fontRef>
+          </p:style>
+        </p:cxnSp>
+        <p:sp>
+          <p:nvSpPr>
+            <p:cNvPr id="122" name="Arc 121">
+              <a:extLst>
+                <a:ext uri="{FF2B5EF4-FFF2-40B4-BE49-F238E27FC236}">
+                  <a16:creationId xmlns:a16="http://schemas.microsoft.com/office/drawing/2014/main" id="{F535DC96-8FDE-4634-A36B-321133ED1DBF}"/>
+                </a:ext>
+              </a:extLst>
+            </p:cNvPr>
+            <p:cNvSpPr/>
+            <p:nvPr/>
+          </p:nvSpPr>
+          <p:spPr>
+            <a:xfrm rot="13384124">
+              <a:off x="5291610" y="1556504"/>
+              <a:ext cx="476923" cy="609600"/>
+            </a:xfrm>
+            <a:prstGeom prst="arc">
+              <a:avLst>
+                <a:gd name="adj1" fmla="val 16200000"/>
+                <a:gd name="adj2" fmla="val 21002681"/>
+              </a:avLst>
+            </a:prstGeom>
+            <a:ln>
+              <a:solidFill>
+                <a:schemeClr val="tx1"/>
+              </a:solidFill>
+            </a:ln>
+          </p:spPr>
+          <p:style>
+            <a:lnRef idx="1">
+              <a:schemeClr val="accent1"/>
+            </a:lnRef>
+            <a:fillRef idx="0">
+              <a:schemeClr val="accent1"/>
+            </a:fillRef>
+            <a:effectRef idx="0">
+              <a:schemeClr val="accent1"/>
+            </a:effectRef>
+            <a:fontRef idx="minor">
+              <a:schemeClr val="tx1"/>
+            </a:fontRef>
+          </p:style>
+          <p:txBody>
+            <a:bodyPr rtlCol="0" anchor="ctr"/>
+            <a:lstStyle/>
+            <a:p>
+              <a:pPr algn="ctr"/>
+              <a:endParaRPr lang="en-AU"/>
+            </a:p>
+          </p:txBody>
+        </p:sp>
+      </p:grpSp>
+      <p:grpSp>
+        <p:nvGrpSpPr>
+          <p:cNvPr id="124" name="Group 123">
+            <a:extLst>
+              <a:ext uri="{FF2B5EF4-FFF2-40B4-BE49-F238E27FC236}">
+                <a16:creationId xmlns:a16="http://schemas.microsoft.com/office/drawing/2014/main" id="{73441FB1-866C-43E9-82A6-48DF196D7286}"/>
+              </a:ext>
+            </a:extLst>
+          </p:cNvPr>
+          <p:cNvGrpSpPr/>
+          <p:nvPr/>
+        </p:nvGrpSpPr>
+        <p:grpSpPr>
+          <a:xfrm rot="5400000" flipH="1">
+            <a:off x="7560015" y="5481174"/>
+            <a:ext cx="737184" cy="609600"/>
+            <a:chOff x="4753797" y="1556504"/>
+            <a:chExt cx="1014736" cy="609600"/>
+          </a:xfrm>
+        </p:grpSpPr>
+        <p:cxnSp>
+          <p:nvCxnSpPr>
+            <p:cNvPr id="125" name="Straight Connector 124">
+              <a:extLst>
+                <a:ext uri="{FF2B5EF4-FFF2-40B4-BE49-F238E27FC236}">
+                  <a16:creationId xmlns:a16="http://schemas.microsoft.com/office/drawing/2014/main" id="{51DCBAE2-BFC2-4E56-98BF-B199B9CAF733}"/>
+                </a:ext>
+              </a:extLst>
+            </p:cNvPr>
+            <p:cNvCxnSpPr/>
+            <p:nvPr/>
+          </p:nvCxnSpPr>
+          <p:spPr>
+            <a:xfrm>
+              <a:off x="4753797" y="1909154"/>
+              <a:ext cx="482184" cy="0"/>
+            </a:xfrm>
+            <a:prstGeom prst="line">
+              <a:avLst/>
+            </a:prstGeom>
+            <a:ln>
+              <a:solidFill>
+                <a:schemeClr val="tx1"/>
+              </a:solidFill>
+            </a:ln>
+          </p:spPr>
+          <p:style>
+            <a:lnRef idx="1">
+              <a:schemeClr val="accent1"/>
+            </a:lnRef>
+            <a:fillRef idx="0">
+              <a:schemeClr val="accent1"/>
+            </a:fillRef>
+            <a:effectRef idx="0">
+              <a:schemeClr val="accent1"/>
+            </a:effectRef>
+            <a:fontRef idx="minor">
+              <a:schemeClr val="tx1"/>
+            </a:fontRef>
+          </p:style>
+        </p:cxnSp>
+        <p:sp>
+          <p:nvSpPr>
+            <p:cNvPr id="141" name="Arc 140">
+              <a:extLst>
+                <a:ext uri="{FF2B5EF4-FFF2-40B4-BE49-F238E27FC236}">
+                  <a16:creationId xmlns:a16="http://schemas.microsoft.com/office/drawing/2014/main" id="{1E35ABE3-E5F7-4C48-A22F-B9777ECAA6A7}"/>
+                </a:ext>
+              </a:extLst>
+            </p:cNvPr>
+            <p:cNvSpPr/>
+            <p:nvPr/>
+          </p:nvSpPr>
+          <p:spPr>
+            <a:xfrm rot="13384124">
+              <a:off x="5291610" y="1556504"/>
+              <a:ext cx="476923" cy="609600"/>
+            </a:xfrm>
+            <a:prstGeom prst="arc">
+              <a:avLst>
+                <a:gd name="adj1" fmla="val 16200000"/>
+                <a:gd name="adj2" fmla="val 21002681"/>
+              </a:avLst>
+            </a:prstGeom>
+            <a:ln>
+              <a:solidFill>
+                <a:schemeClr val="tx1"/>
+              </a:solidFill>
+            </a:ln>
+          </p:spPr>
+          <p:style>
+            <a:lnRef idx="1">
+              <a:schemeClr val="accent1"/>
+            </a:lnRef>
+            <a:fillRef idx="0">
+              <a:schemeClr val="accent1"/>
+            </a:fillRef>
+            <a:effectRef idx="0">
+              <a:schemeClr val="accent1"/>
+            </a:effectRef>
+            <a:fontRef idx="minor">
+              <a:schemeClr val="tx1"/>
+            </a:fontRef>
+          </p:style>
+          <p:txBody>
+            <a:bodyPr rtlCol="0" anchor="ctr"/>
+            <a:lstStyle/>
+            <a:p>
+              <a:pPr algn="ctr"/>
+              <a:endParaRPr lang="en-AU"/>
+            </a:p>
+          </p:txBody>
+        </p:sp>
+      </p:grpSp>
+      <p:sp>
+        <p:nvSpPr>
+          <p:cNvPr id="142" name="TextBox 141">
+            <a:extLst>
+              <a:ext uri="{FF2B5EF4-FFF2-40B4-BE49-F238E27FC236}">
+                <a16:creationId xmlns:a16="http://schemas.microsoft.com/office/drawing/2014/main" id="{3D61286A-6CAB-4DE1-9104-62D4928D2AA6}"/>
+              </a:ext>
+            </a:extLst>
+          </p:cNvPr>
+          <p:cNvSpPr txBox="1"/>
+          <p:nvPr/>
+        </p:nvSpPr>
+        <p:spPr>
+          <a:xfrm>
+            <a:off x="6557169" y="5491937"/>
+            <a:ext cx="1343486" cy="646331"/>
           </a:xfrm>
           <a:prstGeom prst="rect">
             <a:avLst/>
